--- a/docs/diagrams/UiComponentClassDiagram.pptx
+++ b/docs/diagrams/UiComponentClassDiagram.pptx
@@ -208,7 +208,7 @@
           <a:p>
             <a:fld id="{F5CC4B3F-88C1-4FFA-B1B6-F41C21DC6924}" type="datetimeFigureOut">
               <a:rPr lang="en-US" smtClean="0"/>
-              <a:t>1/7/2017</a:t>
+              <a:t>11/8/2018</a:t>
             </a:fld>
             <a:endParaRPr lang="en-US"/>
           </a:p>
@@ -654,7 +654,7 @@
           <a:p>
             <a:fld id="{78C97017-6FC3-485B-9764-EAC9E56C1D49}" type="datetimeFigureOut">
               <a:rPr lang="en-US" smtClean="0"/>
-              <a:t>1/7/2017</a:t>
+              <a:t>11/8/2018</a:t>
             </a:fld>
             <a:endParaRPr lang="en-US"/>
           </a:p>
@@ -822,7 +822,7 @@
           <a:p>
             <a:fld id="{78C97017-6FC3-485B-9764-EAC9E56C1D49}" type="datetimeFigureOut">
               <a:rPr lang="en-US" smtClean="0"/>
-              <a:t>1/7/2017</a:t>
+              <a:t>11/8/2018</a:t>
             </a:fld>
             <a:endParaRPr lang="en-US"/>
           </a:p>
@@ -1000,7 +1000,7 @@
           <a:p>
             <a:fld id="{78C97017-6FC3-485B-9764-EAC9E56C1D49}" type="datetimeFigureOut">
               <a:rPr lang="en-US" smtClean="0"/>
-              <a:t>1/7/2017</a:t>
+              <a:t>11/8/2018</a:t>
             </a:fld>
             <a:endParaRPr lang="en-US"/>
           </a:p>
@@ -1168,7 +1168,7 @@
           <a:p>
             <a:fld id="{78C97017-6FC3-485B-9764-EAC9E56C1D49}" type="datetimeFigureOut">
               <a:rPr lang="en-US" smtClean="0"/>
-              <a:t>1/7/2017</a:t>
+              <a:t>11/8/2018</a:t>
             </a:fld>
             <a:endParaRPr lang="en-US"/>
           </a:p>
@@ -1413,7 +1413,7 @@
           <a:p>
             <a:fld id="{78C97017-6FC3-485B-9764-EAC9E56C1D49}" type="datetimeFigureOut">
               <a:rPr lang="en-US" smtClean="0"/>
-              <a:t>1/7/2017</a:t>
+              <a:t>11/8/2018</a:t>
             </a:fld>
             <a:endParaRPr lang="en-US"/>
           </a:p>
@@ -1698,7 +1698,7 @@
           <a:p>
             <a:fld id="{78C97017-6FC3-485B-9764-EAC9E56C1D49}" type="datetimeFigureOut">
               <a:rPr lang="en-US" smtClean="0"/>
-              <a:t>1/7/2017</a:t>
+              <a:t>11/8/2018</a:t>
             </a:fld>
             <a:endParaRPr lang="en-US"/>
           </a:p>
@@ -2117,7 +2117,7 @@
           <a:p>
             <a:fld id="{78C97017-6FC3-485B-9764-EAC9E56C1D49}" type="datetimeFigureOut">
               <a:rPr lang="en-US" smtClean="0"/>
-              <a:t>1/7/2017</a:t>
+              <a:t>11/8/2018</a:t>
             </a:fld>
             <a:endParaRPr lang="en-US"/>
           </a:p>
@@ -2234,7 +2234,7 @@
           <a:p>
             <a:fld id="{78C97017-6FC3-485B-9764-EAC9E56C1D49}" type="datetimeFigureOut">
               <a:rPr lang="en-US" smtClean="0"/>
-              <a:t>1/7/2017</a:t>
+              <a:t>11/8/2018</a:t>
             </a:fld>
             <a:endParaRPr lang="en-US"/>
           </a:p>
@@ -2329,7 +2329,7 @@
           <a:p>
             <a:fld id="{78C97017-6FC3-485B-9764-EAC9E56C1D49}" type="datetimeFigureOut">
               <a:rPr lang="en-US" smtClean="0"/>
-              <a:t>1/7/2017</a:t>
+              <a:t>11/8/2018</a:t>
             </a:fld>
             <a:endParaRPr lang="en-US"/>
           </a:p>
@@ -2604,7 +2604,7 @@
           <a:p>
             <a:fld id="{78C97017-6FC3-485B-9764-EAC9E56C1D49}" type="datetimeFigureOut">
               <a:rPr lang="en-US" smtClean="0"/>
-              <a:t>1/7/2017</a:t>
+              <a:t>11/8/2018</a:t>
             </a:fld>
             <a:endParaRPr lang="en-US"/>
           </a:p>
@@ -2856,7 +2856,7 @@
           <a:p>
             <a:fld id="{78C97017-6FC3-485B-9764-EAC9E56C1D49}" type="datetimeFigureOut">
               <a:rPr lang="en-US" smtClean="0"/>
-              <a:t>1/7/2017</a:t>
+              <a:t>11/8/2018</a:t>
             </a:fld>
             <a:endParaRPr lang="en-US"/>
           </a:p>
@@ -3067,7 +3067,7 @@
           <a:p>
             <a:fld id="{78C97017-6FC3-485B-9764-EAC9E56C1D49}" type="datetimeFigureOut">
               <a:rPr lang="en-US" smtClean="0"/>
-              <a:t>1/7/2017</a:t>
+              <a:t>11/8/2018</a:t>
             </a:fld>
             <a:endParaRPr lang="en-US"/>
           </a:p>
@@ -3545,7 +3545,7 @@
           <a:p>
             <a:pPr algn="ctr"/>
             <a:r>
-              <a:rPr lang="en-US" sz="1050" b="1" dirty="0" err="1">
+              <a:rPr lang="en-US" sz="1050" b="1" dirty="0">
                 <a:solidFill>
                   <a:schemeClr val="accent3">
                     <a:lumMod val="75000"/>
@@ -3573,7 +3573,7 @@
         <p:spPr>
           <a:xfrm>
             <a:off x="2592528" y="2971800"/>
-            <a:ext cx="1093635" cy="236841"/>
+            <a:ext cx="1142998" cy="236841"/>
           </a:xfrm>
           <a:prstGeom prst="rect">
             <a:avLst/>
@@ -3605,7 +3605,7 @@
           <a:p>
             <a:pPr algn="ctr"/>
             <a:r>
-              <a:rPr lang="en-US" sz="1050" b="1" dirty="0" err="1">
+              <a:rPr lang="en-US" sz="1050" b="1" dirty="0">
                 <a:solidFill>
                   <a:schemeClr val="accent3">
                     <a:lumMod val="75000"/>
@@ -3668,7 +3668,7 @@
           <a:p>
             <a:pPr algn="ctr"/>
             <a:r>
-              <a:rPr lang="en-US" sz="1050" dirty="0" err="1">
+              <a:rPr lang="en-US" sz="1050" dirty="0">
                 <a:solidFill>
                   <a:schemeClr val="bg1"/>
                 </a:solidFill>
@@ -3918,7 +3918,7 @@
           <a:p>
             <a:pPr algn="ctr"/>
             <a:r>
-              <a:rPr lang="en-US" sz="1050" b="1" dirty="0" err="1">
+              <a:rPr lang="en-US" sz="1050" b="1" dirty="0">
                 <a:solidFill>
                   <a:schemeClr val="accent3">
                     <a:lumMod val="75000"/>
@@ -3978,7 +3978,7 @@
           <a:p>
             <a:pPr algn="ctr"/>
             <a:r>
-              <a:rPr lang="en-US" sz="1050" b="1" dirty="0" err="1">
+              <a:rPr lang="en-US" sz="1050" b="1" dirty="0">
                 <a:solidFill>
                   <a:schemeClr val="accent3">
                     <a:lumMod val="75000"/>
@@ -4038,14 +4038,14 @@
           <a:p>
             <a:pPr algn="ctr"/>
             <a:r>
-              <a:rPr lang="en-US" sz="1050" b="1" dirty="0" err="1">
+              <a:rPr lang="en-US" sz="1050" b="1" dirty="0">
                 <a:solidFill>
                   <a:schemeClr val="accent3">
                     <a:lumMod val="75000"/>
                   </a:schemeClr>
                 </a:solidFill>
               </a:rPr>
-              <a:t>PersonListPanel</a:t>
+              <a:t>StudentListPanel</a:t>
             </a:r>
             <a:endParaRPr lang="en-SG" sz="1050" b="1" dirty="0">
               <a:solidFill>
@@ -4098,14 +4098,14 @@
           <a:p>
             <a:pPr algn="ctr"/>
             <a:r>
-              <a:rPr lang="en-US" sz="1050" b="1" dirty="0" err="1">
+              <a:rPr lang="en-US" sz="1050" b="1" dirty="0">
                 <a:solidFill>
                   <a:schemeClr val="accent3">
                     <a:lumMod val="75000"/>
                   </a:schemeClr>
                 </a:solidFill>
               </a:rPr>
-              <a:t>PersonCard</a:t>
+              <a:t>StudentCard</a:t>
             </a:r>
             <a:endParaRPr lang="en-SG" sz="1050" b="1" dirty="0">
               <a:solidFill>
@@ -4158,7 +4158,7 @@
           <a:p>
             <a:pPr algn="ctr"/>
             <a:r>
-              <a:rPr lang="en-US" sz="1050" b="1" dirty="0" err="1">
+              <a:rPr lang="en-US" sz="1050" b="1" dirty="0">
                 <a:solidFill>
                   <a:schemeClr val="accent3">
                     <a:lumMod val="75000"/>
@@ -4229,6 +4229,7 @@
         <p:nvCxnSpPr>
           <p:cNvPr id="40" name="Elbow Connector 63"/>
           <p:cNvCxnSpPr>
+            <a:cxnSpLocks/>
             <a:stCxn id="39" idx="2"/>
             <a:endCxn id="3" idx="1"/>
           </p:cNvCxnSpPr>
@@ -4307,7 +4308,7 @@
           <a:p>
             <a:pPr algn="ctr"/>
             <a:r>
-              <a:rPr lang="en-US" sz="1050" b="1" dirty="0" err="1">
+              <a:rPr lang="en-US" sz="1050" b="1" dirty="0">
                 <a:solidFill>
                   <a:schemeClr val="accent3">
                     <a:lumMod val="75000"/>
@@ -4330,6 +4331,7 @@
         <p:nvCxnSpPr>
           <p:cNvPr id="44" name="Elbow Connector 63"/>
           <p:cNvCxnSpPr>
+            <a:cxnSpLocks/>
             <a:stCxn id="39" idx="2"/>
             <a:endCxn id="34" idx="1"/>
           </p:cNvCxnSpPr>
@@ -4371,6 +4373,7 @@
         <p:nvCxnSpPr>
           <p:cNvPr id="47" name="Elbow Connector 63"/>
           <p:cNvCxnSpPr>
+            <a:cxnSpLocks/>
             <a:stCxn id="39" idx="2"/>
             <a:endCxn id="36" idx="1"/>
           </p:cNvCxnSpPr>
@@ -4549,7 +4552,7 @@
               </a:rPr>
             </a:br>
             <a:r>
-              <a:rPr lang="en-US" sz="1050" b="1" dirty="0" err="1">
+              <a:rPr lang="en-US" sz="1050" b="1" dirty="0">
                 <a:solidFill>
                   <a:schemeClr val="accent3">
                     <a:lumMod val="75000"/>
@@ -4572,6 +4575,7 @@
         <p:nvCxnSpPr>
           <p:cNvPr id="74" name="Elbow Connector 63"/>
           <p:cNvCxnSpPr>
+            <a:cxnSpLocks/>
             <a:stCxn id="43" idx="3"/>
             <a:endCxn id="16" idx="3"/>
           </p:cNvCxnSpPr>
@@ -4654,6 +4658,7 @@
         <p:nvCxnSpPr>
           <p:cNvPr id="82" name="Elbow Connector 63"/>
           <p:cNvCxnSpPr>
+            <a:cxnSpLocks/>
             <a:stCxn id="16" idx="3"/>
             <a:endCxn id="34" idx="3"/>
           </p:cNvCxnSpPr>
@@ -4970,7 +4975,7 @@
           <a:p>
             <a:pPr algn="ctr"/>
             <a:r>
-              <a:rPr lang="en-US" sz="1050" dirty="0" err="1">
+              <a:rPr lang="en-US" sz="1050" dirty="0">
                 <a:solidFill>
                   <a:schemeClr val="bg1"/>
                 </a:solidFill>
@@ -5079,6 +5084,7 @@
         <p:nvCxnSpPr>
           <p:cNvPr id="131" name="Elbow Connector 130"/>
           <p:cNvCxnSpPr>
+            <a:cxnSpLocks/>
             <a:stCxn id="39" idx="2"/>
             <a:endCxn id="43" idx="1"/>
           </p:cNvCxnSpPr>
@@ -5120,6 +5126,7 @@
         <p:nvCxnSpPr>
           <p:cNvPr id="132" name="Elbow Connector 63"/>
           <p:cNvCxnSpPr>
+            <a:cxnSpLocks/>
             <a:stCxn id="16" idx="3"/>
             <a:endCxn id="3" idx="3"/>
           </p:cNvCxnSpPr>
@@ -5127,8 +5134,8 @@
         </p:nvCxnSpPr>
         <p:spPr>
           <a:xfrm rot="5400000">
-            <a:off x="4205956" y="1766207"/>
-            <a:ext cx="804221" cy="1843806"/>
+            <a:off x="4230638" y="1790889"/>
+            <a:ext cx="804221" cy="1794443"/>
           </a:xfrm>
           <a:prstGeom prst="bentConnector2">
             <a:avLst/>
@@ -5161,6 +5168,7 @@
         <p:nvCxnSpPr>
           <p:cNvPr id="137" name="Elbow Connector 136"/>
           <p:cNvCxnSpPr>
+            <a:cxnSpLocks/>
             <a:stCxn id="36" idx="2"/>
             <a:endCxn id="37" idx="1"/>
           </p:cNvCxnSpPr>
@@ -5202,6 +5210,7 @@
         <p:nvCxnSpPr>
           <p:cNvPr id="140" name="Elbow Connector 63"/>
           <p:cNvCxnSpPr>
+            <a:cxnSpLocks/>
             <a:stCxn id="16" idx="3"/>
             <a:endCxn id="36" idx="3"/>
           </p:cNvCxnSpPr>
@@ -5300,8 +5309,8 @@
         </p:nvSpPr>
         <p:spPr>
           <a:xfrm>
-            <a:off x="3687515" y="2828802"/>
-            <a:ext cx="3048000" cy="203200"/>
+            <a:off x="3733798" y="2828802"/>
+            <a:ext cx="3001716" cy="199377"/>
           </a:xfrm>
           <a:custGeom>
             <a:avLst/>
@@ -5506,6 +5515,204 @@
           <a:p>
             <a:pPr algn="ctr"/>
             <a:endParaRPr lang="en-SG"/>
+          </a:p>
+        </p:txBody>
+      </p:sp>
+      <p:sp>
+        <p:nvSpPr>
+          <p:cNvPr id="95" name="Rectangle 11">
+            <a:extLst>
+              <a:ext uri="{FF2B5EF4-FFF2-40B4-BE49-F238E27FC236}">
+                <a16:creationId xmlns:a16="http://schemas.microsoft.com/office/drawing/2014/main" id="{9167A5B3-7F1F-401B-A430-9E03652BABA1}"/>
+              </a:ext>
+            </a:extLst>
+          </p:cNvPr>
+          <p:cNvSpPr/>
+          <p:nvPr/>
+        </p:nvSpPr>
+        <p:spPr>
+          <a:xfrm>
+            <a:off x="2590802" y="3649359"/>
+            <a:ext cx="1142998" cy="236841"/>
+          </a:xfrm>
+          <a:prstGeom prst="rect">
+            <a:avLst/>
+          </a:prstGeom>
+          <a:ln w="19050">
+            <a:solidFill>
+              <a:schemeClr val="accent3"/>
+            </a:solidFill>
+          </a:ln>
+          <a:effectLst/>
+        </p:spPr>
+        <p:style>
+          <a:lnRef idx="1">
+            <a:schemeClr val="accent3"/>
+          </a:lnRef>
+          <a:fillRef idx="2">
+            <a:schemeClr val="accent3"/>
+          </a:fillRef>
+          <a:effectRef idx="1">
+            <a:schemeClr val="accent3"/>
+          </a:effectRef>
+          <a:fontRef idx="minor">
+            <a:schemeClr val="dk1"/>
+          </a:fontRef>
+        </p:style>
+        <p:txBody>
+          <a:bodyPr rtlCol="0" anchor="ctr"/>
+          <a:lstStyle/>
+          <a:p>
+            <a:pPr algn="ctr"/>
+            <a:r>
+              <a:rPr lang="en-US" sz="1050" b="1" dirty="0">
+                <a:solidFill>
+                  <a:schemeClr val="accent3">
+                    <a:lumMod val="75000"/>
+                  </a:schemeClr>
+                </a:solidFill>
+              </a:rPr>
+              <a:t>BrowserPanel</a:t>
+            </a:r>
+            <a:endParaRPr lang="en-SG" sz="1050" b="1" dirty="0">
+              <a:solidFill>
+                <a:schemeClr val="accent3">
+                  <a:lumMod val="75000"/>
+                </a:schemeClr>
+              </a:solidFill>
+            </a:endParaRPr>
+          </a:p>
+        </p:txBody>
+      </p:sp>
+      <p:sp>
+        <p:nvSpPr>
+          <p:cNvPr id="96" name="Rectangle 11">
+            <a:extLst>
+              <a:ext uri="{FF2B5EF4-FFF2-40B4-BE49-F238E27FC236}">
+                <a16:creationId xmlns:a16="http://schemas.microsoft.com/office/drawing/2014/main" id="{8BB41752-ECF5-4174-A67A-086AFC770042}"/>
+              </a:ext>
+            </a:extLst>
+          </p:cNvPr>
+          <p:cNvSpPr/>
+          <p:nvPr/>
+        </p:nvSpPr>
+        <p:spPr>
+          <a:xfrm>
+            <a:off x="2590800" y="3991960"/>
+            <a:ext cx="1142998" cy="236841"/>
+          </a:xfrm>
+          <a:prstGeom prst="rect">
+            <a:avLst/>
+          </a:prstGeom>
+          <a:ln w="19050">
+            <a:solidFill>
+              <a:schemeClr val="accent3"/>
+            </a:solidFill>
+          </a:ln>
+          <a:effectLst/>
+        </p:spPr>
+        <p:style>
+          <a:lnRef idx="1">
+            <a:schemeClr val="accent3"/>
+          </a:lnRef>
+          <a:fillRef idx="2">
+            <a:schemeClr val="accent3"/>
+          </a:fillRef>
+          <a:effectRef idx="1">
+            <a:schemeClr val="accent3"/>
+          </a:effectRef>
+          <a:fontRef idx="minor">
+            <a:schemeClr val="dk1"/>
+          </a:fontRef>
+        </p:style>
+        <p:txBody>
+          <a:bodyPr rtlCol="0" anchor="ctr"/>
+          <a:lstStyle/>
+          <a:p>
+            <a:pPr algn="ctr"/>
+            <a:r>
+              <a:rPr lang="en-US" sz="1050" b="1" dirty="0">
+                <a:solidFill>
+                  <a:schemeClr val="accent3">
+                    <a:lumMod val="75000"/>
+                  </a:schemeClr>
+                </a:solidFill>
+              </a:rPr>
+              <a:t>StudentListPanel</a:t>
+            </a:r>
+            <a:endParaRPr lang="en-SG" sz="1050" b="1" dirty="0">
+              <a:solidFill>
+                <a:schemeClr val="accent3">
+                  <a:lumMod val="75000"/>
+                </a:schemeClr>
+              </a:solidFill>
+            </a:endParaRPr>
+          </a:p>
+        </p:txBody>
+      </p:sp>
+      <p:sp>
+        <p:nvSpPr>
+          <p:cNvPr id="97" name="Rectangle 11">
+            <a:extLst>
+              <a:ext uri="{FF2B5EF4-FFF2-40B4-BE49-F238E27FC236}">
+                <a16:creationId xmlns:a16="http://schemas.microsoft.com/office/drawing/2014/main" id="{66831878-6459-4C17-B03E-4A51CA2CDEAC}"/>
+              </a:ext>
+            </a:extLst>
+          </p:cNvPr>
+          <p:cNvSpPr/>
+          <p:nvPr/>
+        </p:nvSpPr>
+        <p:spPr>
+          <a:xfrm>
+            <a:off x="2589073" y="3304308"/>
+            <a:ext cx="1144802" cy="236841"/>
+          </a:xfrm>
+          <a:prstGeom prst="rect">
+            <a:avLst/>
+          </a:prstGeom>
+          <a:ln w="19050">
+            <a:solidFill>
+              <a:schemeClr val="accent3"/>
+            </a:solidFill>
+          </a:ln>
+          <a:effectLst/>
+        </p:spPr>
+        <p:style>
+          <a:lnRef idx="1">
+            <a:schemeClr val="accent3"/>
+          </a:lnRef>
+          <a:fillRef idx="2">
+            <a:schemeClr val="accent3"/>
+          </a:fillRef>
+          <a:effectRef idx="1">
+            <a:schemeClr val="accent3"/>
+          </a:effectRef>
+          <a:fontRef idx="minor">
+            <a:schemeClr val="dk1"/>
+          </a:fontRef>
+        </p:style>
+        <p:txBody>
+          <a:bodyPr rtlCol="0" anchor="ctr"/>
+          <a:lstStyle/>
+          <a:p>
+            <a:pPr algn="ctr"/>
+            <a:r>
+              <a:rPr lang="en-US" sz="1050" b="1" dirty="0">
+                <a:solidFill>
+                  <a:schemeClr val="accent3">
+                    <a:lumMod val="75000"/>
+                  </a:schemeClr>
+                </a:solidFill>
+              </a:rPr>
+              <a:t>ResultDisplay</a:t>
+            </a:r>
+            <a:endParaRPr lang="en-SG" sz="1050" b="1" dirty="0">
+              <a:solidFill>
+                <a:schemeClr val="accent3">
+                  <a:lumMod val="75000"/>
+                </a:schemeClr>
+              </a:solidFill>
+            </a:endParaRPr>
           </a:p>
         </p:txBody>
       </p:sp>
